--- a/Kalos Pharma Assignment.pptx
+++ b/Kalos Pharma Assignment.pptx
@@ -110,6 +110,11 @@
       </a:defRPr>
     </a:lvl9pPr>
   </p:defaultTextStyle>
+  <p:extLst>
+    <p:ext uri="{EFAFB233-063F-42B5-8137-9DF3F51BA10A}">
+      <p15:sldGuideLst xmlns:p15="http://schemas.microsoft.com/office/powerpoint/2012/main"/>
+    </p:ext>
+  </p:extLst>
 </p:presentation>
 </file>
 
@@ -3447,10 +3452,10 @@
       </p:sp>
       <p:pic>
         <p:nvPicPr>
-          <p:cNvPr id="4" name="Content Placeholder 3">
-            <a:extLst>
-              <a:ext uri="{FF2B5EF4-FFF2-40B4-BE49-F238E27FC236}">
-                <a16:creationId xmlns:a16="http://schemas.microsoft.com/office/drawing/2014/main" id="{C88CA3E6-E4D4-46C8-A3E2-68878862E0A9}"/>
+          <p:cNvPr id="7" name="Content Placeholder 6">
+            <a:extLst>
+              <a:ext uri="{FF2B5EF4-FFF2-40B4-BE49-F238E27FC236}">
+                <a16:creationId xmlns:a16="http://schemas.microsoft.com/office/drawing/2014/main" id="{8354D1D1-3E16-49E4-9250-897C88695B7E}"/>
               </a:ext>
             </a:extLst>
           </p:cNvPr>
@@ -3462,30 +3467,16 @@
           </p:nvPr>
         </p:nvPicPr>
         <p:blipFill>
-          <a:blip r:embed="rId2">
-            <a:extLst>
-              <a:ext uri="{28A0092B-C50C-407E-A947-70E740481C1C}">
-                <a14:useLocalDpi xmlns:a14="http://schemas.microsoft.com/office/drawing/2010/main" val="0"/>
-              </a:ext>
-            </a:extLst>
-          </a:blip>
-          <a:srcRect/>
+          <a:blip r:embed="rId2"/>
           <a:stretch>
             <a:fillRect/>
           </a:stretch>
         </p:blipFill>
-        <p:spPr bwMode="auto">
+        <p:spPr>
           <a:xfrm>
-            <a:off x="2344847" y="1825625"/>
-            <a:ext cx="7502306" cy="4351338"/>
+            <a:off x="2422509" y="1825625"/>
+            <a:ext cx="7346982" cy="4351338"/>
           </a:xfrm>
-          <a:prstGeom prst="rect">
-            <a:avLst/>
-          </a:prstGeom>
-          <a:noFill/>
-          <a:ln>
-            <a:noFill/>
-          </a:ln>
         </p:spPr>
       </p:pic>
     </p:spTree>
@@ -3728,10 +3719,10 @@
       </p:sp>
       <p:pic>
         <p:nvPicPr>
-          <p:cNvPr id="8" name="Content Placeholder 7">
-            <a:extLst>
-              <a:ext uri="{FF2B5EF4-FFF2-40B4-BE49-F238E27FC236}">
-                <a16:creationId xmlns:a16="http://schemas.microsoft.com/office/drawing/2014/main" id="{B243AB58-6FD3-44E5-8AF9-DB881C08F02C}"/>
+          <p:cNvPr id="6" name="Content Placeholder 5">
+            <a:extLst>
+              <a:ext uri="{FF2B5EF4-FFF2-40B4-BE49-F238E27FC236}">
+                <a16:creationId xmlns:a16="http://schemas.microsoft.com/office/drawing/2014/main" id="{B99C3F85-4635-464D-BC67-F4D31BD67B65}"/>
               </a:ext>
             </a:extLst>
           </p:cNvPr>
@@ -3750,12 +3741,9 @@
         </p:blipFill>
         <p:spPr>
           <a:xfrm>
-            <a:off x="838200" y="2284025"/>
-            <a:ext cx="10515600" cy="3448498"/>
+            <a:off x="838200" y="2445205"/>
+            <a:ext cx="10515600" cy="3112178"/>
           </a:xfrm>
-          <a:prstGeom prst="rect">
-            <a:avLst/>
-          </a:prstGeom>
         </p:spPr>
       </p:pic>
     </p:spTree>
@@ -3818,10 +3806,10 @@
       </p:sp>
       <p:pic>
         <p:nvPicPr>
-          <p:cNvPr id="4" name="Content Placeholder 3">
-            <a:extLst>
-              <a:ext uri="{FF2B5EF4-FFF2-40B4-BE49-F238E27FC236}">
-                <a16:creationId xmlns:a16="http://schemas.microsoft.com/office/drawing/2014/main" id="{C8EDDEF1-37A6-4538-B8AD-832178A1E6BD}"/>
+          <p:cNvPr id="7" name="Content Placeholder 6">
+            <a:extLst>
+              <a:ext uri="{FF2B5EF4-FFF2-40B4-BE49-F238E27FC236}">
+                <a16:creationId xmlns:a16="http://schemas.microsoft.com/office/drawing/2014/main" id="{C699745A-7D87-4DBC-ADF5-0629B62E10E8}"/>
               </a:ext>
             </a:extLst>
           </p:cNvPr>
@@ -3840,12 +3828,9 @@
         </p:blipFill>
         <p:spPr>
           <a:xfrm>
-            <a:off x="838200" y="2177555"/>
-            <a:ext cx="10515600" cy="3647477"/>
+            <a:off x="838200" y="2381558"/>
+            <a:ext cx="10515600" cy="3239471"/>
           </a:xfrm>
-          <a:prstGeom prst="rect">
-            <a:avLst/>
-          </a:prstGeom>
         </p:spPr>
       </p:pic>
     </p:spTree>

--- a/Kalos Pharma Assignment.pptx
+++ b/Kalos Pharma Assignment.pptx
@@ -12,6 +12,9 @@
     <p:sldId id="261" r:id="rId6"/>
     <p:sldId id="262" r:id="rId7"/>
     <p:sldId id="263" r:id="rId8"/>
+    <p:sldId id="265" r:id="rId9"/>
+    <p:sldId id="266" r:id="rId10"/>
+    <p:sldId id="264" r:id="rId11"/>
   </p:sldIdLst>
   <p:sldSz cx="12192000" cy="6858000"/>
   <p:notesSz cx="6858000" cy="9144000"/>
@@ -118,6 +121,167 @@
 </p:presentation>
 </file>
 
+<file path=ppt/changesInfos/changesInfo1.xml><?xml version="1.0" encoding="utf-8"?>
+<pc:chgInfo xmlns:a="http://schemas.openxmlformats.org/drawingml/2006/main" xmlns:r="http://schemas.openxmlformats.org/officeDocument/2006/relationships" xmlns:ac="http://schemas.microsoft.com/office/drawing/2013/main/command" xmlns:pc="http://schemas.microsoft.com/office/powerpoint/2013/main/command">
+  <pc:docChgLst>
+    <pc:chgData name="Ravi Shankar Siddamsetty" userId="ea1a2850-8fcf-444e-9543-45a541a78557" providerId="ADAL" clId="{AB9AB904-126F-490D-88C1-DE402889299A}"/>
+    <pc:docChg chg="undo custSel addSld delSld modSld">
+      <pc:chgData name="Ravi Shankar Siddamsetty" userId="ea1a2850-8fcf-444e-9543-45a541a78557" providerId="ADAL" clId="{AB9AB904-126F-490D-88C1-DE402889299A}" dt="2022-07-06T22:40:37.622" v="75" actId="22"/>
+      <pc:docMkLst>
+        <pc:docMk/>
+      </pc:docMkLst>
+      <pc:sldChg chg="addSp delSp modSp mod">
+        <pc:chgData name="Ravi Shankar Siddamsetty" userId="ea1a2850-8fcf-444e-9543-45a541a78557" providerId="ADAL" clId="{AB9AB904-126F-490D-88C1-DE402889299A}" dt="2022-07-06T17:50:30.929" v="1" actId="22"/>
+        <pc:sldMkLst>
+          <pc:docMk/>
+          <pc:sldMk cId="3839820496" sldId="258"/>
+        </pc:sldMkLst>
+        <pc:spChg chg="add del mod">
+          <ac:chgData name="Ravi Shankar Siddamsetty" userId="ea1a2850-8fcf-444e-9543-45a541a78557" providerId="ADAL" clId="{AB9AB904-126F-490D-88C1-DE402889299A}" dt="2022-07-06T17:50:30.929" v="1" actId="22"/>
+          <ac:spMkLst>
+            <pc:docMk/>
+            <pc:sldMk cId="3839820496" sldId="258"/>
+            <ac:spMk id="4" creationId="{66687E5F-D9D9-4147-98D6-8C85817B58AA}"/>
+          </ac:spMkLst>
+        </pc:spChg>
+        <pc:picChg chg="add mod ord">
+          <ac:chgData name="Ravi Shankar Siddamsetty" userId="ea1a2850-8fcf-444e-9543-45a541a78557" providerId="ADAL" clId="{AB9AB904-126F-490D-88C1-DE402889299A}" dt="2022-07-06T17:50:30.929" v="1" actId="22"/>
+          <ac:picMkLst>
+            <pc:docMk/>
+            <pc:sldMk cId="3839820496" sldId="258"/>
+            <ac:picMk id="6" creationId="{EF7B4579-886E-4EA6-8678-D16F6342171A}"/>
+          </ac:picMkLst>
+        </pc:picChg>
+        <pc:picChg chg="del">
+          <ac:chgData name="Ravi Shankar Siddamsetty" userId="ea1a2850-8fcf-444e-9543-45a541a78557" providerId="ADAL" clId="{AB9AB904-126F-490D-88C1-DE402889299A}" dt="2022-07-06T17:50:26.992" v="0" actId="478"/>
+          <ac:picMkLst>
+            <pc:docMk/>
+            <pc:sldMk cId="3839820496" sldId="258"/>
+            <ac:picMk id="7" creationId="{8354D1D1-3E16-49E4-9250-897C88695B7E}"/>
+          </ac:picMkLst>
+        </pc:picChg>
+      </pc:sldChg>
+      <pc:sldChg chg="new del">
+        <pc:chgData name="Ravi Shankar Siddamsetty" userId="ea1a2850-8fcf-444e-9543-45a541a78557" providerId="ADAL" clId="{AB9AB904-126F-490D-88C1-DE402889299A}" dt="2022-07-06T17:53:06.809" v="3" actId="47"/>
+        <pc:sldMkLst>
+          <pc:docMk/>
+          <pc:sldMk cId="73962830" sldId="264"/>
+        </pc:sldMkLst>
+      </pc:sldChg>
+      <pc:sldChg chg="modSp new mod">
+        <pc:chgData name="Ravi Shankar Siddamsetty" userId="ea1a2850-8fcf-444e-9543-45a541a78557" providerId="ADAL" clId="{AB9AB904-126F-490D-88C1-DE402889299A}" dt="2022-07-06T17:53:34.143" v="14" actId="20577"/>
+        <pc:sldMkLst>
+          <pc:docMk/>
+          <pc:sldMk cId="2650726526" sldId="264"/>
+        </pc:sldMkLst>
+        <pc:spChg chg="mod">
+          <ac:chgData name="Ravi Shankar Siddamsetty" userId="ea1a2850-8fcf-444e-9543-45a541a78557" providerId="ADAL" clId="{AB9AB904-126F-490D-88C1-DE402889299A}" dt="2022-07-06T17:53:34.143" v="14" actId="20577"/>
+          <ac:spMkLst>
+            <pc:docMk/>
+            <pc:sldMk cId="2650726526" sldId="264"/>
+            <ac:spMk id="2" creationId="{338471DE-C93F-466C-9562-3979208BE4E0}"/>
+          </ac:spMkLst>
+        </pc:spChg>
+      </pc:sldChg>
+      <pc:sldChg chg="addSp delSp modSp new mod setBg">
+        <pc:chgData name="Ravi Shankar Siddamsetty" userId="ea1a2850-8fcf-444e-9543-45a541a78557" providerId="ADAL" clId="{AB9AB904-126F-490D-88C1-DE402889299A}" dt="2022-07-06T22:39:18.526" v="38" actId="26606"/>
+        <pc:sldMkLst>
+          <pc:docMk/>
+          <pc:sldMk cId="3912305766" sldId="265"/>
+        </pc:sldMkLst>
+        <pc:spChg chg="mod">
+          <ac:chgData name="Ravi Shankar Siddamsetty" userId="ea1a2850-8fcf-444e-9543-45a541a78557" providerId="ADAL" clId="{AB9AB904-126F-490D-88C1-DE402889299A}" dt="2022-07-06T22:39:18.526" v="38" actId="26606"/>
+          <ac:spMkLst>
+            <pc:docMk/>
+            <pc:sldMk cId="3912305766" sldId="265"/>
+            <ac:spMk id="2" creationId="{F434F6E5-4FA5-4880-9866-5EAF93181864}"/>
+          </ac:spMkLst>
+        </pc:spChg>
+        <pc:spChg chg="del">
+          <ac:chgData name="Ravi Shankar Siddamsetty" userId="ea1a2850-8fcf-444e-9543-45a541a78557" providerId="ADAL" clId="{AB9AB904-126F-490D-88C1-DE402889299A}" dt="2022-07-06T22:39:11.771" v="36" actId="22"/>
+          <ac:spMkLst>
+            <pc:docMk/>
+            <pc:sldMk cId="3912305766" sldId="265"/>
+            <ac:spMk id="3" creationId="{CF4FEC7C-5F69-4F83-9260-0EBE1C1F4D76}"/>
+          </ac:spMkLst>
+        </pc:spChg>
+        <pc:spChg chg="add del">
+          <ac:chgData name="Ravi Shankar Siddamsetty" userId="ea1a2850-8fcf-444e-9543-45a541a78557" providerId="ADAL" clId="{AB9AB904-126F-490D-88C1-DE402889299A}" dt="2022-07-06T22:39:18.526" v="38" actId="26606"/>
+          <ac:spMkLst>
+            <pc:docMk/>
+            <pc:sldMk cId="3912305766" sldId="265"/>
+            <ac:spMk id="12" creationId="{7F57BEA8-497D-4AA8-8A18-BDCD696B25FE}"/>
+          </ac:spMkLst>
+        </pc:spChg>
+        <pc:picChg chg="add mod ord">
+          <ac:chgData name="Ravi Shankar Siddamsetty" userId="ea1a2850-8fcf-444e-9543-45a541a78557" providerId="ADAL" clId="{AB9AB904-126F-490D-88C1-DE402889299A}" dt="2022-07-06T22:39:18.526" v="38" actId="26606"/>
+          <ac:picMkLst>
+            <pc:docMk/>
+            <pc:sldMk cId="3912305766" sldId="265"/>
+            <ac:picMk id="5" creationId="{7CC5E1B7-509F-418F-8037-8534F228F396}"/>
+          </ac:picMkLst>
+        </pc:picChg>
+        <pc:cxnChg chg="add del">
+          <ac:chgData name="Ravi Shankar Siddamsetty" userId="ea1a2850-8fcf-444e-9543-45a541a78557" providerId="ADAL" clId="{AB9AB904-126F-490D-88C1-DE402889299A}" dt="2022-07-06T22:39:18.526" v="38" actId="26606"/>
+          <ac:cxnSpMkLst>
+            <pc:docMk/>
+            <pc:sldMk cId="3912305766" sldId="265"/>
+            <ac:cxnSpMk id="10" creationId="{D2E961F1-4A28-4A5F-BBD4-6E400E5E6C75}"/>
+          </ac:cxnSpMkLst>
+        </pc:cxnChg>
+        <pc:cxnChg chg="add del">
+          <ac:chgData name="Ravi Shankar Siddamsetty" userId="ea1a2850-8fcf-444e-9543-45a541a78557" providerId="ADAL" clId="{AB9AB904-126F-490D-88C1-DE402889299A}" dt="2022-07-06T22:39:18.526" v="38" actId="26606"/>
+          <ac:cxnSpMkLst>
+            <pc:docMk/>
+            <pc:sldMk cId="3912305766" sldId="265"/>
+            <ac:cxnSpMk id="14" creationId="{A82415D3-DDE5-4D63-8CB3-23A5EC581B27}"/>
+          </ac:cxnSpMkLst>
+        </pc:cxnChg>
+        <pc:cxnChg chg="add del">
+          <ac:chgData name="Ravi Shankar Siddamsetty" userId="ea1a2850-8fcf-444e-9543-45a541a78557" providerId="ADAL" clId="{AB9AB904-126F-490D-88C1-DE402889299A}" dt="2022-07-06T22:39:18.526" v="38" actId="26606"/>
+          <ac:cxnSpMkLst>
+            <pc:docMk/>
+            <pc:sldMk cId="3912305766" sldId="265"/>
+            <ac:cxnSpMk id="16" creationId="{AD7193FB-6AE6-4B3B-8F89-56B55DD63B4D}"/>
+          </ac:cxnSpMkLst>
+        </pc:cxnChg>
+      </pc:sldChg>
+      <pc:sldChg chg="addSp delSp modSp new mod">
+        <pc:chgData name="Ravi Shankar Siddamsetty" userId="ea1a2850-8fcf-444e-9543-45a541a78557" providerId="ADAL" clId="{AB9AB904-126F-490D-88C1-DE402889299A}" dt="2022-07-06T22:40:37.622" v="75" actId="22"/>
+        <pc:sldMkLst>
+          <pc:docMk/>
+          <pc:sldMk cId="3824609592" sldId="266"/>
+        </pc:sldMkLst>
+        <pc:spChg chg="mod">
+          <ac:chgData name="Ravi Shankar Siddamsetty" userId="ea1a2850-8fcf-444e-9543-45a541a78557" providerId="ADAL" clId="{AB9AB904-126F-490D-88C1-DE402889299A}" dt="2022-07-06T22:39:56.460" v="74" actId="20577"/>
+          <ac:spMkLst>
+            <pc:docMk/>
+            <pc:sldMk cId="3824609592" sldId="266"/>
+            <ac:spMk id="2" creationId="{0B9FCC6D-FDE3-4195-AC01-39731837F4F5}"/>
+          </ac:spMkLst>
+        </pc:spChg>
+        <pc:spChg chg="del">
+          <ac:chgData name="Ravi Shankar Siddamsetty" userId="ea1a2850-8fcf-444e-9543-45a541a78557" providerId="ADAL" clId="{AB9AB904-126F-490D-88C1-DE402889299A}" dt="2022-07-06T22:40:37.622" v="75" actId="22"/>
+          <ac:spMkLst>
+            <pc:docMk/>
+            <pc:sldMk cId="3824609592" sldId="266"/>
+            <ac:spMk id="3" creationId="{293A657E-D3FD-48D7-AD85-2B331921D905}"/>
+          </ac:spMkLst>
+        </pc:spChg>
+        <pc:picChg chg="add mod ord">
+          <ac:chgData name="Ravi Shankar Siddamsetty" userId="ea1a2850-8fcf-444e-9543-45a541a78557" providerId="ADAL" clId="{AB9AB904-126F-490D-88C1-DE402889299A}" dt="2022-07-06T22:40:37.622" v="75" actId="22"/>
+          <ac:picMkLst>
+            <pc:docMk/>
+            <pc:sldMk cId="3824609592" sldId="266"/>
+            <ac:picMk id="5" creationId="{73581136-55B0-4B23-9252-B33B87E09A9B}"/>
+          </ac:picMkLst>
+        </pc:picChg>
+      </pc:sldChg>
+    </pc:docChg>
+  </pc:docChgLst>
+</pc:chgInfo>
+</file>
+
 <file path=ppt/slideLayouts/slideLayout1.xml><?xml version="1.0" encoding="utf-8"?>
 <p:sldLayout xmlns:a="http://schemas.openxmlformats.org/drawingml/2006/main" xmlns:r="http://schemas.openxmlformats.org/officeDocument/2006/relationships" xmlns:p="http://schemas.openxmlformats.org/presentationml/2006/main" type="title" preserve="1">
   <p:cSld name="Title Slide">
@@ -265,7 +429,7 @@
           <a:p>
             <a:fld id="{45655D93-0654-4C0A-A348-52B21C890180}" type="datetimeFigureOut">
               <a:rPr lang="en-US" smtClean="0"/>
-              <a:t>7/5/2022</a:t>
+              <a:t>7/6/2022</a:t>
             </a:fld>
             <a:endParaRPr lang="en-US"/>
           </a:p>
@@ -463,7 +627,7 @@
           <a:p>
             <a:fld id="{45655D93-0654-4C0A-A348-52B21C890180}" type="datetimeFigureOut">
               <a:rPr lang="en-US" smtClean="0"/>
-              <a:t>7/5/2022</a:t>
+              <a:t>7/6/2022</a:t>
             </a:fld>
             <a:endParaRPr lang="en-US"/>
           </a:p>
@@ -671,7 +835,7 @@
           <a:p>
             <a:fld id="{45655D93-0654-4C0A-A348-52B21C890180}" type="datetimeFigureOut">
               <a:rPr lang="en-US" smtClean="0"/>
-              <a:t>7/5/2022</a:t>
+              <a:t>7/6/2022</a:t>
             </a:fld>
             <a:endParaRPr lang="en-US"/>
           </a:p>
@@ -869,7 +1033,7 @@
           <a:p>
             <a:fld id="{45655D93-0654-4C0A-A348-52B21C890180}" type="datetimeFigureOut">
               <a:rPr lang="en-US" smtClean="0"/>
-              <a:t>7/5/2022</a:t>
+              <a:t>7/6/2022</a:t>
             </a:fld>
             <a:endParaRPr lang="en-US"/>
           </a:p>
@@ -1144,7 +1308,7 @@
           <a:p>
             <a:fld id="{45655D93-0654-4C0A-A348-52B21C890180}" type="datetimeFigureOut">
               <a:rPr lang="en-US" smtClean="0"/>
-              <a:t>7/5/2022</a:t>
+              <a:t>7/6/2022</a:t>
             </a:fld>
             <a:endParaRPr lang="en-US"/>
           </a:p>
@@ -1409,7 +1573,7 @@
           <a:p>
             <a:fld id="{45655D93-0654-4C0A-A348-52B21C890180}" type="datetimeFigureOut">
               <a:rPr lang="en-US" smtClean="0"/>
-              <a:t>7/5/2022</a:t>
+              <a:t>7/6/2022</a:t>
             </a:fld>
             <a:endParaRPr lang="en-US"/>
           </a:p>
@@ -1821,7 +1985,7 @@
           <a:p>
             <a:fld id="{45655D93-0654-4C0A-A348-52B21C890180}" type="datetimeFigureOut">
               <a:rPr lang="en-US" smtClean="0"/>
-              <a:t>7/5/2022</a:t>
+              <a:t>7/6/2022</a:t>
             </a:fld>
             <a:endParaRPr lang="en-US"/>
           </a:p>
@@ -1962,7 +2126,7 @@
           <a:p>
             <a:fld id="{45655D93-0654-4C0A-A348-52B21C890180}" type="datetimeFigureOut">
               <a:rPr lang="en-US" smtClean="0"/>
-              <a:t>7/5/2022</a:t>
+              <a:t>7/6/2022</a:t>
             </a:fld>
             <a:endParaRPr lang="en-US"/>
           </a:p>
@@ -2075,7 +2239,7 @@
           <a:p>
             <a:fld id="{45655D93-0654-4C0A-A348-52B21C890180}" type="datetimeFigureOut">
               <a:rPr lang="en-US" smtClean="0"/>
-              <a:t>7/5/2022</a:t>
+              <a:t>7/6/2022</a:t>
             </a:fld>
             <a:endParaRPr lang="en-US"/>
           </a:p>
@@ -2386,7 +2550,7 @@
           <a:p>
             <a:fld id="{45655D93-0654-4C0A-A348-52B21C890180}" type="datetimeFigureOut">
               <a:rPr lang="en-US" smtClean="0"/>
-              <a:t>7/5/2022</a:t>
+              <a:t>7/6/2022</a:t>
             </a:fld>
             <a:endParaRPr lang="en-US"/>
           </a:p>
@@ -2674,7 +2838,7 @@
           <a:p>
             <a:fld id="{45655D93-0654-4C0A-A348-52B21C890180}" type="datetimeFigureOut">
               <a:rPr lang="en-US" smtClean="0"/>
-              <a:t>7/5/2022</a:t>
+              <a:t>7/6/2022</a:t>
             </a:fld>
             <a:endParaRPr lang="en-US"/>
           </a:p>
@@ -2915,7 +3079,7 @@
           <a:p>
             <a:fld id="{45655D93-0654-4C0A-A348-52B21C890180}" type="datetimeFigureOut">
               <a:rPr lang="en-US" smtClean="0"/>
-              <a:t>7/5/2022</a:t>
+              <a:t>7/6/2022</a:t>
             </a:fld>
             <a:endParaRPr lang="en-US"/>
           </a:p>
@@ -3405,6 +3569,64 @@
 </p:sld>
 </file>
 
+<file path=ppt/slides/slide10.xml><?xml version="1.0" encoding="utf-8"?>
+<p:sld xmlns:a="http://schemas.openxmlformats.org/drawingml/2006/main" xmlns:r="http://schemas.openxmlformats.org/officeDocument/2006/relationships" xmlns:p="http://schemas.openxmlformats.org/presentationml/2006/main">
+  <p:cSld>
+    <p:spTree>
+      <p:nvGrpSpPr>
+        <p:cNvPr id="1" name=""/>
+        <p:cNvGrpSpPr/>
+        <p:nvPr/>
+      </p:nvGrpSpPr>
+      <p:grpSpPr>
+        <a:xfrm>
+          <a:off x="0" y="0"/>
+          <a:ext cx="0" cy="0"/>
+          <a:chOff x="0" y="0"/>
+          <a:chExt cx="0" cy="0"/>
+        </a:xfrm>
+      </p:grpSpPr>
+      <p:sp>
+        <p:nvSpPr>
+          <p:cNvPr id="2" name="Title 1">
+            <a:extLst>
+              <a:ext uri="{FF2B5EF4-FFF2-40B4-BE49-F238E27FC236}">
+                <a16:creationId xmlns:a16="http://schemas.microsoft.com/office/drawing/2014/main" id="{338471DE-C93F-466C-9562-3979208BE4E0}"/>
+              </a:ext>
+            </a:extLst>
+          </p:cNvPr>
+          <p:cNvSpPr>
+            <a:spLocks noGrp="1"/>
+          </p:cNvSpPr>
+          <p:nvPr>
+            <p:ph type="title"/>
+          </p:nvPr>
+        </p:nvSpPr>
+        <p:spPr/>
+        <p:txBody>
+          <a:bodyPr/>
+          <a:lstStyle/>
+          <a:p>
+            <a:r>
+              <a:rPr lang="en-US" dirty="0"/>
+              <a:t>Questions?</a:t>
+            </a:r>
+          </a:p>
+        </p:txBody>
+      </p:sp>
+    </p:spTree>
+    <p:extLst>
+      <p:ext uri="{BB962C8B-B14F-4D97-AF65-F5344CB8AC3E}">
+        <p14:creationId xmlns:p14="http://schemas.microsoft.com/office/powerpoint/2010/main" val="2650726526"/>
+      </p:ext>
+    </p:extLst>
+  </p:cSld>
+  <p:clrMapOvr>
+    <a:masterClrMapping/>
+  </p:clrMapOvr>
+</p:sld>
+</file>
+
 <file path=ppt/slides/slide2.xml><?xml version="1.0" encoding="utf-8"?>
 <p:sld xmlns:a="http://schemas.openxmlformats.org/drawingml/2006/main" xmlns:r="http://schemas.openxmlformats.org/officeDocument/2006/relationships" xmlns:p="http://schemas.openxmlformats.org/presentationml/2006/main">
   <p:cSld>
@@ -3452,10 +3674,10 @@
       </p:sp>
       <p:pic>
         <p:nvPicPr>
-          <p:cNvPr id="7" name="Content Placeholder 6">
-            <a:extLst>
-              <a:ext uri="{FF2B5EF4-FFF2-40B4-BE49-F238E27FC236}">
-                <a16:creationId xmlns:a16="http://schemas.microsoft.com/office/drawing/2014/main" id="{8354D1D1-3E16-49E4-9250-897C88695B7E}"/>
+          <p:cNvPr id="6" name="Content Placeholder 5">
+            <a:extLst>
+              <a:ext uri="{FF2B5EF4-FFF2-40B4-BE49-F238E27FC236}">
+                <a16:creationId xmlns:a16="http://schemas.microsoft.com/office/drawing/2014/main" id="{EF7B4579-886E-4EA6-8678-D16F6342171A}"/>
               </a:ext>
             </a:extLst>
           </p:cNvPr>
@@ -3474,8 +3696,8 @@
         </p:blipFill>
         <p:spPr>
           <a:xfrm>
-            <a:off x="2422509" y="1825625"/>
-            <a:ext cx="7346982" cy="4351338"/>
+            <a:off x="1432381" y="1825625"/>
+            <a:ext cx="9327237" cy="4351338"/>
           </a:xfrm>
         </p:spPr>
       </p:pic>
@@ -3927,6 +4149,181 @@
     <p:extLst>
       <p:ext uri="{BB962C8B-B14F-4D97-AF65-F5344CB8AC3E}">
         <p14:creationId xmlns:p14="http://schemas.microsoft.com/office/powerpoint/2010/main" val="1647530682"/>
+      </p:ext>
+    </p:extLst>
+  </p:cSld>
+  <p:clrMapOvr>
+    <a:masterClrMapping/>
+  </p:clrMapOvr>
+</p:sld>
+</file>
+
+<file path=ppt/slides/slide8.xml><?xml version="1.0" encoding="utf-8"?>
+<p:sld xmlns:a="http://schemas.openxmlformats.org/drawingml/2006/main" xmlns:r="http://schemas.openxmlformats.org/officeDocument/2006/relationships" xmlns:p="http://schemas.openxmlformats.org/presentationml/2006/main">
+  <p:cSld>
+    <p:spTree>
+      <p:nvGrpSpPr>
+        <p:cNvPr id="1" name=""/>
+        <p:cNvGrpSpPr/>
+        <p:nvPr/>
+      </p:nvGrpSpPr>
+      <p:grpSpPr>
+        <a:xfrm>
+          <a:off x="0" y="0"/>
+          <a:ext cx="0" cy="0"/>
+          <a:chOff x="0" y="0"/>
+          <a:chExt cx="0" cy="0"/>
+        </a:xfrm>
+      </p:grpSpPr>
+      <p:sp>
+        <p:nvSpPr>
+          <p:cNvPr id="2" name="Title 1">
+            <a:extLst>
+              <a:ext uri="{FF2B5EF4-FFF2-40B4-BE49-F238E27FC236}">
+                <a16:creationId xmlns:a16="http://schemas.microsoft.com/office/drawing/2014/main" id="{F434F6E5-4FA5-4880-9866-5EAF93181864}"/>
+              </a:ext>
+            </a:extLst>
+          </p:cNvPr>
+          <p:cNvSpPr>
+            <a:spLocks noGrp="1"/>
+          </p:cNvSpPr>
+          <p:nvPr>
+            <p:ph type="title"/>
+          </p:nvPr>
+        </p:nvSpPr>
+        <p:spPr/>
+        <p:txBody>
+          <a:bodyPr/>
+          <a:lstStyle/>
+          <a:p>
+            <a:r>
+              <a:rPr lang="en-US"/>
+              <a:t>Inquiry Data Model</a:t>
+            </a:r>
+            <a:endParaRPr lang="en-US" dirty="0"/>
+          </a:p>
+        </p:txBody>
+      </p:sp>
+      <p:pic>
+        <p:nvPicPr>
+          <p:cNvPr id="5" name="Content Placeholder 4">
+            <a:extLst>
+              <a:ext uri="{FF2B5EF4-FFF2-40B4-BE49-F238E27FC236}">
+                <a16:creationId xmlns:a16="http://schemas.microsoft.com/office/drawing/2014/main" id="{7CC5E1B7-509F-418F-8037-8534F228F396}"/>
+              </a:ext>
+            </a:extLst>
+          </p:cNvPr>
+          <p:cNvPicPr>
+            <a:picLocks noGrp="1" noChangeAspect="1"/>
+          </p:cNvPicPr>
+          <p:nvPr>
+            <p:ph idx="1"/>
+          </p:nvPr>
+        </p:nvPicPr>
+        <p:blipFill>
+          <a:blip r:embed="rId2"/>
+          <a:stretch>
+            <a:fillRect/>
+          </a:stretch>
+        </p:blipFill>
+        <p:spPr>
+          <a:xfrm>
+            <a:off x="1370108" y="1825625"/>
+            <a:ext cx="9451783" cy="4351338"/>
+          </a:xfrm>
+        </p:spPr>
+      </p:pic>
+    </p:spTree>
+    <p:extLst>
+      <p:ext uri="{BB962C8B-B14F-4D97-AF65-F5344CB8AC3E}">
+        <p14:creationId xmlns:p14="http://schemas.microsoft.com/office/powerpoint/2010/main" val="3912305766"/>
+      </p:ext>
+    </p:extLst>
+  </p:cSld>
+  <p:clrMapOvr>
+    <a:masterClrMapping/>
+  </p:clrMapOvr>
+</p:sld>
+</file>
+
+<file path=ppt/slides/slide9.xml><?xml version="1.0" encoding="utf-8"?>
+<p:sld xmlns:a="http://schemas.openxmlformats.org/drawingml/2006/main" xmlns:r="http://schemas.openxmlformats.org/officeDocument/2006/relationships" xmlns:p="http://schemas.openxmlformats.org/presentationml/2006/main">
+  <p:cSld>
+    <p:spTree>
+      <p:nvGrpSpPr>
+        <p:cNvPr id="1" name=""/>
+        <p:cNvGrpSpPr/>
+        <p:nvPr/>
+      </p:nvGrpSpPr>
+      <p:grpSpPr>
+        <a:xfrm>
+          <a:off x="0" y="0"/>
+          <a:ext cx="0" cy="0"/>
+          <a:chOff x="0" y="0"/>
+          <a:chExt cx="0" cy="0"/>
+        </a:xfrm>
+      </p:grpSpPr>
+      <p:sp>
+        <p:nvSpPr>
+          <p:cNvPr id="2" name="Title 1">
+            <a:extLst>
+              <a:ext uri="{FF2B5EF4-FFF2-40B4-BE49-F238E27FC236}">
+                <a16:creationId xmlns:a16="http://schemas.microsoft.com/office/drawing/2014/main" id="{0B9FCC6D-FDE3-4195-AC01-39731837F4F5}"/>
+              </a:ext>
+            </a:extLst>
+          </p:cNvPr>
+          <p:cNvSpPr>
+            <a:spLocks noGrp="1"/>
+          </p:cNvSpPr>
+          <p:nvPr>
+            <p:ph type="title"/>
+          </p:nvPr>
+        </p:nvSpPr>
+        <p:spPr/>
+        <p:txBody>
+          <a:bodyPr/>
+          <a:lstStyle/>
+          <a:p>
+            <a:r>
+              <a:rPr lang="en-US" dirty="0"/>
+              <a:t>Interaction Case Data</a:t>
+            </a:r>
+          </a:p>
+        </p:txBody>
+      </p:sp>
+      <p:pic>
+        <p:nvPicPr>
+          <p:cNvPr id="5" name="Content Placeholder 4">
+            <a:extLst>
+              <a:ext uri="{FF2B5EF4-FFF2-40B4-BE49-F238E27FC236}">
+                <a16:creationId xmlns:a16="http://schemas.microsoft.com/office/drawing/2014/main" id="{73581136-55B0-4B23-9252-B33B87E09A9B}"/>
+              </a:ext>
+            </a:extLst>
+          </p:cNvPr>
+          <p:cNvPicPr>
+            <a:picLocks noGrp="1" noChangeAspect="1"/>
+          </p:cNvPicPr>
+          <p:nvPr>
+            <p:ph idx="1"/>
+          </p:nvPr>
+        </p:nvPicPr>
+        <p:blipFill>
+          <a:blip r:embed="rId2"/>
+          <a:stretch>
+            <a:fillRect/>
+          </a:stretch>
+        </p:blipFill>
+        <p:spPr>
+          <a:xfrm>
+            <a:off x="3268494" y="1825625"/>
+            <a:ext cx="5655012" cy="4351338"/>
+          </a:xfrm>
+        </p:spPr>
+      </p:pic>
+    </p:spTree>
+    <p:extLst>
+      <p:ext uri="{BB962C8B-B14F-4D97-AF65-F5344CB8AC3E}">
+        <p14:creationId xmlns:p14="http://schemas.microsoft.com/office/powerpoint/2010/main" val="3824609592"/>
       </p:ext>
     </p:extLst>
   </p:cSld>
